--- a/PPT_Capstone_GreenSkills_GreenGurad.pptx
+++ b/PPT_Capstone_GreenSkills_GreenGurad.pptx
@@ -1483,8 +1483,8 @@
         </p:nvSpPr>
         <p:spPr>
           <a:xfrm>
-            <a:off x="5019685" y="2957805"/>
-            <a:ext cx="6662242" cy="1569660"/>
+            <a:off x="5346256" y="2603241"/>
+            <a:ext cx="6708894" cy="2462213"/>
           </a:xfrm>
           <a:prstGeom prst="rect">
             <a:avLst/>
@@ -1505,9 +1505,113 @@
                 <a:latin typeface="Calibri" panose="020F0502020204030204" pitchFamily="34" charset="0"/>
                 <a:cs typeface="Times New Roman" panose="02020603050405020304" pitchFamily="18" charset="0"/>
               </a:rPr>
-              <a:t>Green Guard:  Predictive Platform for Urban Air Quality and Sustainable Policy Planning</a:t>
-            </a:r>
-            <a:endParaRPr lang="en-US" sz="3200" b="1" dirty="0">
+              <a:t>Green Guard: Urban Air Quality Detection</a:t>
+            </a:r>
+          </a:p>
+          <a:p>
+            <a:endParaRPr lang="en-US" sz="1800" b="1" dirty="0">
+              <a:solidFill>
+                <a:schemeClr val="bg1"/>
+              </a:solidFill>
+              <a:latin typeface="Calibri" panose="020F0502020204030204" pitchFamily="34" charset="0"/>
+              <a:cs typeface="Times New Roman" panose="02020603050405020304" pitchFamily="18" charset="0"/>
+            </a:endParaRPr>
+          </a:p>
+          <a:p>
+            <a:r>
+              <a:rPr lang="en-US" sz="1800" b="1" dirty="0">
+                <a:solidFill>
+                  <a:schemeClr val="bg1"/>
+                </a:solidFill>
+                <a:latin typeface="Calibri" panose="020F0502020204030204" pitchFamily="34" charset="0"/>
+                <a:cs typeface="Times New Roman" panose="02020603050405020304" pitchFamily="18" charset="0"/>
+              </a:rPr>
+              <a:t>Team Members: </a:t>
+            </a:r>
+          </a:p>
+          <a:p>
+            <a:r>
+              <a:rPr lang="en-US" sz="1800" b="1" dirty="0">
+                <a:solidFill>
+                  <a:schemeClr val="bg1"/>
+                </a:solidFill>
+                <a:latin typeface="Calibri" panose="020F0502020204030204" pitchFamily="34" charset="0"/>
+                <a:cs typeface="Times New Roman" panose="02020603050405020304" pitchFamily="18" charset="0"/>
+              </a:rPr>
+              <a:t>1. Sukalp Warhekar</a:t>
+            </a:r>
+          </a:p>
+          <a:p>
+            <a:r>
+              <a:rPr lang="en-US" sz="1800" b="1" dirty="0">
+                <a:solidFill>
+                  <a:schemeClr val="bg1"/>
+                </a:solidFill>
+                <a:latin typeface="Calibri" panose="020F0502020204030204" pitchFamily="34" charset="0"/>
+                <a:cs typeface="Times New Roman" panose="02020603050405020304" pitchFamily="18" charset="0"/>
+              </a:rPr>
+              <a:t>2. Arnav </a:t>
+            </a:r>
+            <a:r>
+              <a:rPr lang="en-US" sz="1800" b="1" dirty="0" err="1">
+                <a:solidFill>
+                  <a:schemeClr val="bg1"/>
+                </a:solidFill>
+                <a:latin typeface="Calibri" panose="020F0502020204030204" pitchFamily="34" charset="0"/>
+                <a:cs typeface="Times New Roman" panose="02020603050405020304" pitchFamily="18" charset="0"/>
+              </a:rPr>
+              <a:t>Padole</a:t>
+            </a:r>
+            <a:endParaRPr lang="en-US" sz="1800" b="1" dirty="0">
+              <a:solidFill>
+                <a:schemeClr val="bg1"/>
+              </a:solidFill>
+              <a:latin typeface="Calibri" panose="020F0502020204030204" pitchFamily="34" charset="0"/>
+              <a:cs typeface="Times New Roman" panose="02020603050405020304" pitchFamily="18" charset="0"/>
+            </a:endParaRPr>
+          </a:p>
+          <a:p>
+            <a:r>
+              <a:rPr lang="en-US" sz="1800" b="1" dirty="0">
+                <a:solidFill>
+                  <a:schemeClr val="bg1"/>
+                </a:solidFill>
+                <a:latin typeface="Calibri" panose="020F0502020204030204" pitchFamily="34" charset="0"/>
+                <a:cs typeface="Times New Roman" panose="02020603050405020304" pitchFamily="18" charset="0"/>
+              </a:rPr>
+              <a:t>3. </a:t>
+            </a:r>
+            <a:r>
+              <a:rPr lang="en-US" sz="1800" b="1" dirty="0" err="1">
+                <a:solidFill>
+                  <a:schemeClr val="bg1"/>
+                </a:solidFill>
+                <a:latin typeface="Calibri" panose="020F0502020204030204" pitchFamily="34" charset="0"/>
+                <a:cs typeface="Times New Roman" panose="02020603050405020304" pitchFamily="18" charset="0"/>
+              </a:rPr>
+              <a:t>Aryesh</a:t>
+            </a:r>
+            <a:r>
+              <a:rPr lang="en-US" sz="1800" b="1" dirty="0">
+                <a:solidFill>
+                  <a:schemeClr val="bg1"/>
+                </a:solidFill>
+                <a:latin typeface="Calibri" panose="020F0502020204030204" pitchFamily="34" charset="0"/>
+                <a:cs typeface="Times New Roman" panose="02020603050405020304" pitchFamily="18" charset="0"/>
+              </a:rPr>
+              <a:t> </a:t>
+            </a:r>
+            <a:r>
+              <a:rPr lang="en-US" sz="1800" b="1" dirty="0" err="1">
+                <a:solidFill>
+                  <a:schemeClr val="bg1"/>
+                </a:solidFill>
+                <a:latin typeface="Calibri" panose="020F0502020204030204" pitchFamily="34" charset="0"/>
+                <a:cs typeface="Times New Roman" panose="02020603050405020304" pitchFamily="18" charset="0"/>
+              </a:rPr>
+              <a:t>Jirafe</a:t>
+            </a:r>
+            <a:endParaRPr lang="en-US" sz="1800" b="1" dirty="0">
               <a:solidFill>
                 <a:schemeClr val="bg1"/>
               </a:solidFill>
@@ -1677,7 +1781,7 @@
         </p:nvSpPr>
         <p:spPr>
           <a:xfrm>
-            <a:off x="191911" y="1242665"/>
+            <a:off x="266556" y="1466700"/>
             <a:ext cx="2652889" cy="400110"/>
           </a:xfrm>
           <a:prstGeom prst="rect">
@@ -1840,7 +1944,7 @@
         </p:nvSpPr>
         <p:spPr>
           <a:xfrm>
-            <a:off x="191910" y="2066872"/>
+            <a:off x="191911" y="2605922"/>
             <a:ext cx="7153769" cy="2585323"/>
           </a:xfrm>
           <a:prstGeom prst="rect">
@@ -1965,7 +2069,7 @@
         </p:nvSpPr>
         <p:spPr>
           <a:xfrm>
-            <a:off x="284808" y="1730137"/>
+            <a:off x="284808" y="2075370"/>
             <a:ext cx="9549342" cy="4431983"/>
           </a:xfrm>
           <a:prstGeom prst="rect">
@@ -2359,7 +2463,7 @@
         </p:nvSpPr>
         <p:spPr>
           <a:xfrm>
-            <a:off x="352331" y="1828562"/>
+            <a:off x="464299" y="2043166"/>
             <a:ext cx="10209921" cy="3200876"/>
           </a:xfrm>
           <a:prstGeom prst="rect">
@@ -2777,7 +2881,7 @@
         </p:nvSpPr>
         <p:spPr>
           <a:xfrm>
-            <a:off x="404393" y="1690062"/>
+            <a:off x="423054" y="2035294"/>
             <a:ext cx="9224799" cy="3477875"/>
           </a:xfrm>
           <a:prstGeom prst="rect">
@@ -3231,7 +3335,7 @@
         <p:spPr>
           <a:xfrm>
             <a:off x="484990" y="2518371"/>
-            <a:ext cx="10814382" cy="2123658"/>
+            <a:ext cx="10814382" cy="3231654"/>
           </a:xfrm>
           <a:prstGeom prst="rect">
             <a:avLst/>
@@ -3273,7 +3377,15 @@
               <a:buChar char="Ø"/>
             </a:pPr>
             <a:r>
-              <a:rPr lang="en-US" sz="1800" i="1" dirty="0"/>
+              <a:rPr lang="en-US" sz="1800" i="1" dirty="0">
+                <a:effectLst>
+                  <a:outerShdw blurRad="38100" dist="38100" dir="2700000" algn="tl">
+                    <a:srgbClr val="000000">
+                      <a:alpha val="43137"/>
+                    </a:srgbClr>
+                  </a:outerShdw>
+                </a:effectLst>
+              </a:rPr>
               <a:t>GreenGuard proves how AI can empower environmental governance.</a:t>
             </a:r>
           </a:p>
@@ -3282,7 +3394,15 @@
               <a:buFont typeface="Wingdings" panose="05000000000000000000" pitchFamily="2" charset="2"/>
               <a:buChar char="Ø"/>
             </a:pPr>
-            <a:endParaRPr lang="en-US" sz="1800" dirty="0"/>
+            <a:endParaRPr lang="en-US" sz="1800" dirty="0">
+              <a:effectLst>
+                <a:outerShdw blurRad="38100" dist="38100" dir="2700000" algn="tl">
+                  <a:srgbClr val="000000">
+                    <a:alpha val="43137"/>
+                  </a:srgbClr>
+                </a:outerShdw>
+              </a:effectLst>
+            </a:endParaRPr>
           </a:p>
           <a:p>
             <a:pPr marL="285750" indent="-285750" algn="just">
@@ -3290,16 +3410,82 @@
               <a:buChar char="Ø"/>
             </a:pPr>
             <a:r>
-              <a:rPr lang="en-US" sz="1800" i="1" dirty="0"/>
-              <a:t>It predicts future AQI levels, promotes green actions, and helps deploy sustainability-oriented </a:t>
-            </a:r>
-            <a:r>
-              <a:rPr lang="en-US" sz="1800" i="1"/>
-              <a:t>workforce</a:t>
-            </a:r>
-            <a:r>
-              <a:rPr lang="en-US" sz="1800"/>
+              <a:rPr lang="en-US" sz="1800" i="1" dirty="0">
+                <a:effectLst>
+                  <a:outerShdw blurRad="38100" dist="38100" dir="2700000" algn="tl">
+                    <a:srgbClr val="000000">
+                      <a:alpha val="43137"/>
+                    </a:srgbClr>
+                  </a:outerShdw>
+                </a:effectLst>
+              </a:rPr>
+              <a:t>It predicts future AQI levels, promotes green actions, and helps deploy sustainability-oriented workforce</a:t>
+            </a:r>
+            <a:r>
+              <a:rPr lang="en-US" sz="1800" dirty="0">
+                <a:effectLst>
+                  <a:outerShdw blurRad="38100" dist="38100" dir="2700000" algn="tl">
+                    <a:srgbClr val="000000">
+                      <a:alpha val="43137"/>
+                    </a:srgbClr>
+                  </a:outerShdw>
+                </a:effectLst>
+              </a:rPr>
               <a:t>.</a:t>
+            </a:r>
+          </a:p>
+          <a:p>
+            <a:pPr marL="285750" indent="-285750" algn="just">
+              <a:buFont typeface="Wingdings" panose="05000000000000000000" pitchFamily="2" charset="2"/>
+              <a:buChar char="Ø"/>
+            </a:pPr>
+            <a:endParaRPr lang="en-US" sz="1800" dirty="0">
+              <a:effectLst>
+                <a:outerShdw blurRad="38100" dist="38100" dir="2700000" algn="tl">
+                  <a:srgbClr val="000000">
+                    <a:alpha val="43137"/>
+                  </a:srgbClr>
+                </a:outerShdw>
+              </a:effectLst>
+            </a:endParaRPr>
+          </a:p>
+          <a:p>
+            <a:pPr algn="just"/>
+            <a:endParaRPr lang="en-US" sz="1800" dirty="0">
+              <a:effectLst>
+                <a:outerShdw blurRad="38100" dist="38100" dir="2700000" algn="tl">
+                  <a:srgbClr val="000000">
+                    <a:alpha val="43137"/>
+                  </a:srgbClr>
+                </a:outerShdw>
+              </a:effectLst>
+            </a:endParaRPr>
+          </a:p>
+          <a:p>
+            <a:pPr algn="just"/>
+            <a:endParaRPr lang="en-US" sz="1800" dirty="0">
+              <a:effectLst>
+                <a:outerShdw blurRad="38100" dist="38100" dir="2700000" algn="tl">
+                  <a:srgbClr val="000000">
+                    <a:alpha val="43137"/>
+                  </a:srgbClr>
+                </a:outerShdw>
+              </a:effectLst>
+            </a:endParaRPr>
+          </a:p>
+          <a:p>
+            <a:pPr algn="ctr"/>
+            <a:r>
+              <a:rPr lang="en-US" sz="1800" dirty="0">
+                <a:hlinkClick r:id="rId2"/>
+              </a:rPr>
+              <a:t>GitHub Repository Link: </a:t>
+            </a:r>
+            <a:r>
+              <a:rPr lang="en-US" sz="1800" dirty="0" err="1">
+                <a:hlinkClick r:id="rId2"/>
+              </a:rPr>
+              <a:t>CapstoneProject_AQI_Prediction</a:t>
             </a:r>
             <a:endParaRPr lang="en-US" sz="1800" dirty="0"/>
           </a:p>
